--- a/pragmatic-dependency-injection.pptx
+++ b/pragmatic-dependency-injection.pptx
@@ -4358,11 +4358,7 @@
           <a:p>
             <a:r>
               <a:rPr lang="en-GB" dirty="0" smtClean="0"/>
-              <a:t>Benefits </a:t>
-            </a:r>
-            <a:r>
-              <a:rPr lang="en-GB" dirty="0" smtClean="0"/>
-              <a:t>of loose-coupling</a:t>
+              <a:t>Benefits of loose-coupling</a:t>
             </a:r>
             <a:endParaRPr lang="en-GB" dirty="0"/>
           </a:p>
@@ -4495,26 +4491,22 @@
           <a:lstStyle/>
           <a:p>
             <a:r>
-              <a:rPr lang="en-GB" sz="3600" dirty="0">
-                <a:hlinkClick r:id="rId2"/>
-              </a:rPr>
-              <a:t>https://</a:t>
-            </a:r>
-            <a:r>
-              <a:rPr lang="en-GB" sz="3600" dirty="0" smtClean="0">
-                <a:hlinkClick r:id="rId2"/>
-              </a:rPr>
-              <a:t>github.com/ijrussell</a:t>
-            </a:r>
-            <a:endParaRPr lang="en-GB" sz="3600" dirty="0" smtClean="0"/>
-          </a:p>
-          <a:p>
-            <a:pPr lvl="1"/>
-            <a:r>
-              <a:rPr lang="en-GB" sz="3400" dirty="0" err="1" smtClean="0"/>
-              <a:t>SimpleDependencyInjectionConsole</a:t>
-            </a:r>
-            <a:endParaRPr lang="en-GB" sz="3400" dirty="0"/>
+              <a:rPr lang="en-GB" sz="3600" dirty="0"/>
+              <a:t>github.com/</a:t>
+            </a:r>
+            <a:r>
+              <a:rPr lang="en-GB" sz="3600" dirty="0" err="1"/>
+              <a:t>ijrussell</a:t>
+            </a:r>
+            <a:r>
+              <a:rPr lang="en-GB" sz="3600" dirty="0"/>
+              <a:t>/</a:t>
+            </a:r>
+            <a:r>
+              <a:rPr lang="en-GB" sz="3600" dirty="0" err="1"/>
+              <a:t>DDDEastAnglia</a:t>
+            </a:r>
+            <a:endParaRPr lang="en-GB" sz="3600" dirty="0"/>
           </a:p>
         </p:txBody>
       </p:sp>
@@ -4602,11 +4594,7 @@
           <a:p>
             <a:r>
               <a:rPr lang="en-GB" sz="2400" dirty="0" smtClean="0"/>
-              <a:t>What to </a:t>
-            </a:r>
-            <a:r>
-              <a:rPr lang="en-GB" sz="2400" dirty="0" smtClean="0"/>
-              <a:t>inject</a:t>
+              <a:t>What to inject</a:t>
             </a:r>
           </a:p>
           <a:p>
@@ -4623,11 +4611,7 @@
           <a:p>
             <a:r>
               <a:rPr lang="en-GB" sz="2400" dirty="0" smtClean="0"/>
-              <a:t>Composition </a:t>
-            </a:r>
-            <a:r>
-              <a:rPr lang="en-GB" sz="2400" dirty="0" smtClean="0"/>
-              <a:t>Root</a:t>
+              <a:t>Composition Root</a:t>
             </a:r>
           </a:p>
           <a:p>
@@ -4681,11 +4665,7 @@
             <a:pPr lvl="1"/>
             <a:r>
               <a:rPr lang="en-GB" sz="2400" dirty="0" smtClean="0"/>
-              <a:t>Register</a:t>
-            </a:r>
-            <a:r>
-              <a:rPr lang="en-GB" sz="2400" dirty="0" smtClean="0"/>
-              <a:t>, Resolve, Release</a:t>
+              <a:t>Register, Resolve, Release</a:t>
             </a:r>
           </a:p>
         </p:txBody>
